--- a/presentation.pptx
+++ b/presentation.pptx
@@ -3091,7 +3091,7 @@
       <p:grpSpPr/>
       <p:pic>
         <p:nvPicPr>
-          <p:cNvPr id="2" name="543368d05941267a08fc51c744089c9ce7e08472c9a3647b14efd994142c3561.mp4">
+          <p:cNvPr id="2" name="db00b96f3bf067ea3553df43643436ce1705cc59c33a3887f6042cdb6d3e3b38.mp4">
             <a:hlinkClick r:id="" action="ppaction://media"/>
           </p:cNvPr>
           <p:cNvPicPr>
